--- a/dev/jsonMethods.pptx
+++ b/dev/jsonMethods.pptx
@@ -254,7 +254,7 @@
           <a:p>
             <a:fld id="{3F7D2234-FDAD-4594-8BA1-7CB08D1B6CC4}" type="datetimeFigureOut">
               <a:rPr lang="en-GB" smtClean="0"/>
-              <a:t>20/03/2016</a:t>
+              <a:t>06/04/2016</a:t>
             </a:fld>
             <a:endParaRPr lang="en-GB"/>
           </a:p>
@@ -424,7 +424,7 @@
           <a:p>
             <a:fld id="{3F7D2234-FDAD-4594-8BA1-7CB08D1B6CC4}" type="datetimeFigureOut">
               <a:rPr lang="en-GB" smtClean="0"/>
-              <a:t>20/03/2016</a:t>
+              <a:t>06/04/2016</a:t>
             </a:fld>
             <a:endParaRPr lang="en-GB"/>
           </a:p>
@@ -604,7 +604,7 @@
           <a:p>
             <a:fld id="{3F7D2234-FDAD-4594-8BA1-7CB08D1B6CC4}" type="datetimeFigureOut">
               <a:rPr lang="en-GB" smtClean="0"/>
-              <a:t>20/03/2016</a:t>
+              <a:t>06/04/2016</a:t>
             </a:fld>
             <a:endParaRPr lang="en-GB"/>
           </a:p>
@@ -774,7 +774,7 @@
           <a:p>
             <a:fld id="{3F7D2234-FDAD-4594-8BA1-7CB08D1B6CC4}" type="datetimeFigureOut">
               <a:rPr lang="en-GB" smtClean="0"/>
-              <a:t>20/03/2016</a:t>
+              <a:t>06/04/2016</a:t>
             </a:fld>
             <a:endParaRPr lang="en-GB"/>
           </a:p>
@@ -1020,7 +1020,7 @@
           <a:p>
             <a:fld id="{3F7D2234-FDAD-4594-8BA1-7CB08D1B6CC4}" type="datetimeFigureOut">
               <a:rPr lang="en-GB" smtClean="0"/>
-              <a:t>20/03/2016</a:t>
+              <a:t>06/04/2016</a:t>
             </a:fld>
             <a:endParaRPr lang="en-GB"/>
           </a:p>
@@ -1252,7 +1252,7 @@
           <a:p>
             <a:fld id="{3F7D2234-FDAD-4594-8BA1-7CB08D1B6CC4}" type="datetimeFigureOut">
               <a:rPr lang="en-GB" smtClean="0"/>
-              <a:t>20/03/2016</a:t>
+              <a:t>06/04/2016</a:t>
             </a:fld>
             <a:endParaRPr lang="en-GB"/>
           </a:p>
@@ -1619,7 +1619,7 @@
           <a:p>
             <a:fld id="{3F7D2234-FDAD-4594-8BA1-7CB08D1B6CC4}" type="datetimeFigureOut">
               <a:rPr lang="en-GB" smtClean="0"/>
-              <a:t>20/03/2016</a:t>
+              <a:t>06/04/2016</a:t>
             </a:fld>
             <a:endParaRPr lang="en-GB"/>
           </a:p>
@@ -1737,7 +1737,7 @@
           <a:p>
             <a:fld id="{3F7D2234-FDAD-4594-8BA1-7CB08D1B6CC4}" type="datetimeFigureOut">
               <a:rPr lang="en-GB" smtClean="0"/>
-              <a:t>20/03/2016</a:t>
+              <a:t>06/04/2016</a:t>
             </a:fld>
             <a:endParaRPr lang="en-GB"/>
           </a:p>
@@ -1832,7 +1832,7 @@
           <a:p>
             <a:fld id="{3F7D2234-FDAD-4594-8BA1-7CB08D1B6CC4}" type="datetimeFigureOut">
               <a:rPr lang="en-GB" smtClean="0"/>
-              <a:t>20/03/2016</a:t>
+              <a:t>06/04/2016</a:t>
             </a:fld>
             <a:endParaRPr lang="en-GB"/>
           </a:p>
@@ -2109,7 +2109,7 @@
           <a:p>
             <a:fld id="{3F7D2234-FDAD-4594-8BA1-7CB08D1B6CC4}" type="datetimeFigureOut">
               <a:rPr lang="en-GB" smtClean="0"/>
-              <a:t>20/03/2016</a:t>
+              <a:t>06/04/2016</a:t>
             </a:fld>
             <a:endParaRPr lang="en-GB"/>
           </a:p>
@@ -2362,7 +2362,7 @@
           <a:p>
             <a:fld id="{3F7D2234-FDAD-4594-8BA1-7CB08D1B6CC4}" type="datetimeFigureOut">
               <a:rPr lang="en-GB" smtClean="0"/>
-              <a:t>20/03/2016</a:t>
+              <a:t>06/04/2016</a:t>
             </a:fld>
             <a:endParaRPr lang="en-GB"/>
           </a:p>
@@ -2575,7 +2575,7 @@
           <a:p>
             <a:fld id="{3F7D2234-FDAD-4594-8BA1-7CB08D1B6CC4}" type="datetimeFigureOut">
               <a:rPr lang="en-GB" smtClean="0"/>
-              <a:t>20/03/2016</a:t>
+              <a:t>06/04/2016</a:t>
             </a:fld>
             <a:endParaRPr lang="en-GB"/>
           </a:p>
@@ -2980,6 +2980,82 @@
           <a:chExt cx="0" cy="0"/>
         </a:xfrm>
       </p:grpSpPr>
+      <p:cxnSp>
+        <p:nvCxnSpPr>
+          <p:cNvPr id="26" name="Curved Connector 25"/>
+          <p:cNvCxnSpPr>
+            <a:stCxn id="5" idx="1"/>
+            <a:endCxn id="6" idx="1"/>
+          </p:cNvCxnSpPr>
+          <p:nvPr/>
+        </p:nvCxnSpPr>
+        <p:spPr>
+          <a:xfrm rot="10800000" flipH="1" flipV="1">
+            <a:off x="2495599" y="908720"/>
+            <a:ext cx="10209" cy="1440160"/>
+          </a:xfrm>
+          <a:prstGeom prst="curvedConnector3">
+            <a:avLst>
+              <a:gd name="adj1" fmla="val -2239201"/>
+            </a:avLst>
+          </a:prstGeom>
+          <a:ln w="12700">
+            <a:tailEnd type="triangle" w="lg" len="lg"/>
+          </a:ln>
+        </p:spPr>
+        <p:style>
+          <a:lnRef idx="1">
+            <a:schemeClr val="dk1"/>
+          </a:lnRef>
+          <a:fillRef idx="0">
+            <a:schemeClr val="dk1"/>
+          </a:fillRef>
+          <a:effectRef idx="0">
+            <a:schemeClr val="dk1"/>
+          </a:effectRef>
+          <a:fontRef idx="minor">
+            <a:schemeClr val="tx1"/>
+          </a:fontRef>
+        </p:style>
+      </p:cxnSp>
+      <p:cxnSp>
+        <p:nvCxnSpPr>
+          <p:cNvPr id="22" name="Curved Connector 21"/>
+          <p:cNvCxnSpPr>
+            <a:stCxn id="33" idx="3"/>
+            <a:endCxn id="32" idx="3"/>
+          </p:cNvCxnSpPr>
+          <p:nvPr/>
+        </p:nvCxnSpPr>
+        <p:spPr>
+          <a:xfrm flipH="1" flipV="1">
+            <a:off x="6096000" y="908720"/>
+            <a:ext cx="10209" cy="1440160"/>
+          </a:xfrm>
+          <a:prstGeom prst="curvedConnector3">
+            <a:avLst>
+              <a:gd name="adj1" fmla="val -2239201"/>
+            </a:avLst>
+          </a:prstGeom>
+          <a:ln w="12700">
+            <a:tailEnd type="triangle" w="lg" len="lg"/>
+          </a:ln>
+        </p:spPr>
+        <p:style>
+          <a:lnRef idx="1">
+            <a:schemeClr val="dk1"/>
+          </a:lnRef>
+          <a:fillRef idx="0">
+            <a:schemeClr val="dk1"/>
+          </a:fillRef>
+          <a:effectRef idx="0">
+            <a:schemeClr val="dk1"/>
+          </a:effectRef>
+          <a:fontRef idx="minor">
+            <a:schemeClr val="tx1"/>
+          </a:fontRef>
+        </p:style>
+      </p:cxnSp>
       <p:sp>
         <p:nvSpPr>
           <p:cNvPr id="5" name="Rounded Rectangle 4"/>
@@ -3069,22 +3145,6 @@
           <a:p>
             <a:pPr algn="ctr"/>
             <a:r>
-              <a:rPr lang="en-GB" dirty="0" smtClean="0">
-                <a:ln w="0"/>
-                <a:solidFill>
-                  <a:schemeClr val="tx1"/>
-                </a:solidFill>
-                <a:effectLst>
-                  <a:outerShdw blurRad="38100" dist="19050" dir="2700000" algn="tl" rotWithShape="0">
-                    <a:schemeClr val="dk1">
-                      <a:alpha val="40000"/>
-                    </a:schemeClr>
-                  </a:outerShdw>
-                </a:effectLst>
-              </a:rPr>
-              <a:t>Fantom </a:t>
-            </a:r>
-            <a:r>
               <a:rPr lang="en-GB" dirty="0" err="1" smtClean="0">
                 <a:ln w="0"/>
                 <a:solidFill>
@@ -3176,42 +3236,6 @@
             <a:avLst>
               <a:gd name="adj1" fmla="val 3949252"/>
             </a:avLst>
-          </a:prstGeom>
-          <a:ln w="12700">
-            <a:tailEnd type="triangle" w="lg" len="lg"/>
-          </a:ln>
-        </p:spPr>
-        <p:style>
-          <a:lnRef idx="1">
-            <a:schemeClr val="dk1"/>
-          </a:lnRef>
-          <a:fillRef idx="0">
-            <a:schemeClr val="dk1"/>
-          </a:fillRef>
-          <a:effectRef idx="0">
-            <a:schemeClr val="dk1"/>
-          </a:effectRef>
-          <a:fontRef idx="minor">
-            <a:schemeClr val="tx1"/>
-          </a:fontRef>
-        </p:style>
-      </p:cxnSp>
-      <p:cxnSp>
-        <p:nvCxnSpPr>
-          <p:cNvPr id="23" name="Straight Arrow Connector 22"/>
-          <p:cNvCxnSpPr>
-            <a:stCxn id="5" idx="2"/>
-            <a:endCxn id="6" idx="0"/>
-          </p:cNvCxnSpPr>
-          <p:nvPr/>
-        </p:nvCxnSpPr>
-        <p:spPr>
-          <a:xfrm>
-            <a:off x="3215680" y="1268760"/>
-            <a:ext cx="10209" cy="720080"/>
-          </a:xfrm>
-          <a:prstGeom prst="straightConnector1">
-            <a:avLst/>
           </a:prstGeom>
           <a:ln w="12700">
             <a:tailEnd type="triangle" w="lg" len="lg"/>
@@ -3276,7 +3300,7 @@
         </p:nvSpPr>
         <p:spPr>
           <a:xfrm>
-            <a:off x="2505809" y="1439488"/>
+            <a:off x="1487488" y="1439488"/>
             <a:ext cx="1429951" cy="369332"/>
           </a:xfrm>
           <a:prstGeom prst="rect">
@@ -3297,7 +3321,7 @@
             <a:pPr algn="ctr"/>
             <a:r>
               <a:rPr lang="en-GB" dirty="0" err="1" smtClean="0"/>
-              <a:t>readObj</a:t>
+              <a:t>readJson</a:t>
             </a:r>
             <a:r>
               <a:rPr lang="en-GB" dirty="0" smtClean="0"/>
@@ -3336,46 +3360,7 @@
             <a:pPr algn="ctr"/>
             <a:r>
               <a:rPr lang="en-GB" dirty="0" err="1" smtClean="0"/>
-              <a:t>toFantom</a:t>
-            </a:r>
-            <a:r>
-              <a:rPr lang="en-GB" dirty="0" smtClean="0"/>
-              <a:t>()</a:t>
-            </a:r>
-            <a:endParaRPr lang="en-GB" dirty="0"/>
-          </a:p>
-        </p:txBody>
-      </p:sp>
-      <p:sp>
-        <p:nvSpPr>
-          <p:cNvPr id="31" name="TextBox 30"/>
-          <p:cNvSpPr txBox="1"/>
-          <p:nvPr/>
-        </p:nvSpPr>
-        <p:spPr>
-          <a:xfrm>
-            <a:off x="1034410" y="2164214"/>
-            <a:ext cx="1429951" cy="369332"/>
-          </a:xfrm>
-          <a:prstGeom prst="rect">
-            <a:avLst/>
-          </a:prstGeom>
-          <a:solidFill>
-            <a:schemeClr val="bg1">
-              <a:alpha val="75000"/>
-            </a:schemeClr>
-          </a:solidFill>
-        </p:spPr>
-        <p:txBody>
-          <a:bodyPr wrap="square" rtlCol="0">
-            <a:spAutoFit/>
-          </a:bodyPr>
-          <a:lstStyle/>
-          <a:p>
-            <a:pPr algn="ctr"/>
-            <a:r>
-              <a:rPr lang="en-GB" dirty="0" err="1"/>
-              <a:t>readEntity</a:t>
+              <a:t>toEntity</a:t>
             </a:r>
             <a:r>
               <a:rPr lang="en-GB" dirty="0" smtClean="0"/>
@@ -3474,22 +3459,6 @@
           <a:p>
             <a:pPr algn="ctr"/>
             <a:r>
-              <a:rPr lang="en-GB" dirty="0" smtClean="0">
-                <a:ln w="0"/>
-                <a:solidFill>
-                  <a:schemeClr val="tx1"/>
-                </a:solidFill>
-                <a:effectLst>
-                  <a:outerShdw blurRad="38100" dist="19050" dir="2700000" algn="tl" rotWithShape="0">
-                    <a:schemeClr val="dk1">
-                      <a:alpha val="40000"/>
-                    </a:schemeClr>
-                  </a:outerShdw>
-                </a:effectLst>
-              </a:rPr>
-              <a:t>Fantom </a:t>
-            </a:r>
-            <a:r>
               <a:rPr lang="en-GB" dirty="0" err="1" smtClean="0">
                 <a:ln w="0"/>
                 <a:solidFill>
@@ -3584,43 +3553,6 @@
           </a:prstGeom>
           <a:ln w="12700">
             <a:tailEnd type="triangle" w="lg" len="lg"/>
-          </a:ln>
-        </p:spPr>
-        <p:style>
-          <a:lnRef idx="1">
-            <a:schemeClr val="dk1"/>
-          </a:lnRef>
-          <a:fillRef idx="0">
-            <a:schemeClr val="dk1"/>
-          </a:fillRef>
-          <a:effectRef idx="0">
-            <a:schemeClr val="dk1"/>
-          </a:effectRef>
-          <a:fontRef idx="minor">
-            <a:schemeClr val="tx1"/>
-          </a:fontRef>
-        </p:style>
-      </p:cxnSp>
-      <p:cxnSp>
-        <p:nvCxnSpPr>
-          <p:cNvPr id="36" name="Straight Arrow Connector 35"/>
-          <p:cNvCxnSpPr>
-            <a:stCxn id="32" idx="2"/>
-            <a:endCxn id="33" idx="0"/>
-          </p:cNvCxnSpPr>
-          <p:nvPr/>
-        </p:nvCxnSpPr>
-        <p:spPr>
-          <a:xfrm>
-            <a:off x="5375920" y="1268760"/>
-            <a:ext cx="10209" cy="720080"/>
-          </a:xfrm>
-          <a:prstGeom prst="straightConnector1">
-            <a:avLst/>
-          </a:prstGeom>
-          <a:ln w="12700">
-            <a:headEnd type="triangle" w="lg" len="lg"/>
-            <a:tailEnd type="none" w="lg" len="lg"/>
           </a:ln>
         </p:spPr>
         <p:style>
@@ -3683,7 +3615,7 @@
         </p:nvSpPr>
         <p:spPr>
           <a:xfrm>
-            <a:off x="4666049" y="1439488"/>
+            <a:off x="5807968" y="1448780"/>
             <a:ext cx="1429951" cy="369332"/>
           </a:xfrm>
           <a:prstGeom prst="rect">
@@ -3704,7 +3636,7 @@
             <a:pPr algn="ctr"/>
             <a:r>
               <a:rPr lang="en-GB" dirty="0" err="1" smtClean="0"/>
-              <a:t>writeObj</a:t>
+              <a:t>writeJson</a:t>
             </a:r>
             <a:r>
               <a:rPr lang="en-GB" dirty="0" smtClean="0"/>
@@ -3743,46 +3675,7 @@
             <a:pPr algn="ctr"/>
             <a:r>
               <a:rPr lang="en-GB" dirty="0" err="1" smtClean="0"/>
-              <a:t>toJsonObj</a:t>
-            </a:r>
-            <a:r>
-              <a:rPr lang="en-GB" dirty="0" smtClean="0"/>
-              <a:t>()</a:t>
-            </a:r>
-            <a:endParaRPr lang="en-GB" dirty="0"/>
-          </a:p>
-        </p:txBody>
-      </p:sp>
-      <p:sp>
-        <p:nvSpPr>
-          <p:cNvPr id="40" name="TextBox 39"/>
-          <p:cNvSpPr txBox="1"/>
-          <p:nvPr/>
-        </p:nvSpPr>
-        <p:spPr>
-          <a:xfrm>
-            <a:off x="6116420" y="2164214"/>
-            <a:ext cx="1388268" cy="369332"/>
-          </a:xfrm>
-          <a:prstGeom prst="rect">
-            <a:avLst/>
-          </a:prstGeom>
-          <a:solidFill>
-            <a:schemeClr val="bg1">
-              <a:alpha val="75000"/>
-            </a:schemeClr>
-          </a:solidFill>
-        </p:spPr>
-        <p:txBody>
-          <a:bodyPr wrap="square" rtlCol="0">
-            <a:spAutoFit/>
-          </a:bodyPr>
-          <a:lstStyle/>
-          <a:p>
-            <a:pPr algn="ctr"/>
-            <a:r>
-              <a:rPr lang="en-GB" dirty="0" err="1" smtClean="0"/>
-              <a:t>writeEntity</a:t>
+              <a:t>fromEntity</a:t>
             </a:r>
             <a:r>
               <a:rPr lang="en-GB" dirty="0" smtClean="0"/>
